--- a/Ppt/IdentityServer fagkveld.pptx
+++ b/Ppt/IdentityServer fagkveld.pptx
@@ -13,8 +13,8 @@
   <p:sldIdLst>
     <p:sldId id="256" r:id="rId5"/>
     <p:sldId id="257" r:id="rId6"/>
-    <p:sldId id="264" r:id="rId7"/>
-    <p:sldId id="258" r:id="rId8"/>
+    <p:sldId id="258" r:id="rId7"/>
+    <p:sldId id="264" r:id="rId8"/>
     <p:sldId id="259" r:id="rId9"/>
     <p:sldId id="260" r:id="rId10"/>
     <p:sldId id="261" r:id="rId11"/>
@@ -211,7 +211,7 @@
           <a:p>
             <a:fld id="{0118F5E5-7C3E-4D52-9B79-BD3C63ACE068}" type="datetimeFigureOut">
               <a:rPr lang="nb-NO" smtClean="0"/>
-              <a:t>10.01.2017</a:t>
+              <a:t>11.01.2017</a:t>
             </a:fld>
             <a:endParaRPr lang="nb-NO"/>
           </a:p>
@@ -376,7 +376,7 @@
           <a:p>
             <a:fld id="{6F2AD40C-4359-4A0C-B318-2401026BD2F4}" type="datetimeFigureOut">
               <a:rPr lang="nb-NO" smtClean="0"/>
-              <a:t>10.01.2017</a:t>
+              <a:t>11.01.2017</a:t>
             </a:fld>
             <a:endParaRPr lang="nb-NO"/>
           </a:p>
@@ -943,7 +943,7 @@
     </p:spTree>
     <p:extLst>
       <p:ext uri="{BB962C8B-B14F-4D97-AF65-F5344CB8AC3E}">
-        <p14:creationId xmlns:p14="http://schemas.microsoft.com/office/powerpoint/2010/main" val="3717921976"/>
+        <p14:creationId xmlns:p14="http://schemas.microsoft.com/office/powerpoint/2010/main" val="2556685155"/>
       </p:ext>
     </p:extLst>
   </p:cSld>
@@ -1018,6 +1018,197 @@
           <a:p>
             <a:fld id="{AD4D22CA-BB33-4A24-8853-E257FD4EF6AE}" type="slidenum">
               <a:rPr lang="nb-NO" smtClean="0"/>
+              <a:t>4</a:t>
+            </a:fld>
+            <a:endParaRPr lang="nb-NO"/>
+          </a:p>
+        </p:txBody>
+      </p:sp>
+    </p:spTree>
+    <p:extLst>
+      <p:ext uri="{BB962C8B-B14F-4D97-AF65-F5344CB8AC3E}">
+        <p14:creationId xmlns:p14="http://schemas.microsoft.com/office/powerpoint/2010/main" val="3717921976"/>
+      </p:ext>
+    </p:extLst>
+  </p:cSld>
+  <p:clrMapOvr>
+    <a:masterClrMapping/>
+  </p:clrMapOvr>
+</p:notes>
+</file>
+
+<file path=ppt/notesSlides/notesSlide4.xml><?xml version="1.0" encoding="utf-8"?>
+<p:notes xmlns:a="http://schemas.openxmlformats.org/drawingml/2006/main" xmlns:r="http://schemas.openxmlformats.org/officeDocument/2006/relationships" xmlns:p="http://schemas.openxmlformats.org/presentationml/2006/main">
+  <p:cSld>
+    <p:spTree>
+      <p:nvGrpSpPr>
+        <p:cNvPr id="1" name=""/>
+        <p:cNvGrpSpPr/>
+        <p:nvPr/>
+      </p:nvGrpSpPr>
+      <p:grpSpPr>
+        <a:xfrm>
+          <a:off x="0" y="0"/>
+          <a:ext cx="0" cy="0"/>
+          <a:chOff x="0" y="0"/>
+          <a:chExt cx="0" cy="0"/>
+        </a:xfrm>
+      </p:grpSpPr>
+      <p:sp>
+        <p:nvSpPr>
+          <p:cNvPr id="2" name="Slide Image Placeholder 1"/>
+          <p:cNvSpPr>
+            <a:spLocks noGrp="1" noRot="1" noChangeAspect="1"/>
+          </p:cNvSpPr>
+          <p:nvPr>
+            <p:ph type="sldImg"/>
+          </p:nvPr>
+        </p:nvSpPr>
+        <p:spPr/>
+      </p:sp>
+      <p:sp>
+        <p:nvSpPr>
+          <p:cNvPr id="3" name="Notes Placeholder 2"/>
+          <p:cNvSpPr>
+            <a:spLocks noGrp="1"/>
+          </p:cNvSpPr>
+          <p:nvPr>
+            <p:ph type="body" idx="1"/>
+          </p:nvPr>
+        </p:nvSpPr>
+        <p:spPr/>
+        <p:txBody>
+          <a:bodyPr/>
+          <a:lstStyle/>
+          <a:p>
+            <a:pPr marL="0" marR="0" lvl="0" indent="0" algn="l" defTabSz="914400" rtl="0" eaLnBrk="1" fontAlgn="auto" latinLnBrk="0" hangingPunct="1">
+              <a:lnSpc>
+                <a:spcPct val="100000"/>
+              </a:lnSpc>
+              <a:spcBef>
+                <a:spcPts val="0"/>
+              </a:spcBef>
+              <a:spcAft>
+                <a:spcPts val="0"/>
+              </a:spcAft>
+              <a:buClrTx/>
+              <a:buSzTx/>
+              <a:buFontTx/>
+              <a:buNone/>
+              <a:tabLst/>
+              <a:defRPr/>
+            </a:pPr>
+            <a:r>
+              <a:rPr lang="nb-NO" dirty="0"/>
+              <a:t>En tredjeparts applikasjon kan få en begrenset tilgang til en HTTP-tjeneste uten å sende med passord</a:t>
+            </a:r>
+          </a:p>
+          <a:p>
+            <a:endParaRPr lang="en-GB" dirty="0"/>
+          </a:p>
+        </p:txBody>
+      </p:sp>
+      <p:sp>
+        <p:nvSpPr>
+          <p:cNvPr id="4" name="Slide Number Placeholder 3"/>
+          <p:cNvSpPr>
+            <a:spLocks noGrp="1"/>
+          </p:cNvSpPr>
+          <p:nvPr>
+            <p:ph type="sldNum" sz="quarter" idx="10"/>
+          </p:nvPr>
+        </p:nvSpPr>
+        <p:spPr/>
+        <p:txBody>
+          <a:bodyPr/>
+          <a:lstStyle/>
+          <a:p>
+            <a:fld id="{AD4D22CA-BB33-4A24-8853-E257FD4EF6AE}" type="slidenum">
+              <a:rPr lang="nb-NO" smtClean="0"/>
+              <a:t>5</a:t>
+            </a:fld>
+            <a:endParaRPr lang="nb-NO"/>
+          </a:p>
+        </p:txBody>
+      </p:sp>
+    </p:spTree>
+    <p:extLst>
+      <p:ext uri="{BB962C8B-B14F-4D97-AF65-F5344CB8AC3E}">
+        <p14:creationId xmlns:p14="http://schemas.microsoft.com/office/powerpoint/2010/main" val="4118368295"/>
+      </p:ext>
+    </p:extLst>
+  </p:cSld>
+  <p:clrMapOvr>
+    <a:masterClrMapping/>
+  </p:clrMapOvr>
+</p:notes>
+</file>
+
+<file path=ppt/notesSlides/notesSlide5.xml><?xml version="1.0" encoding="utf-8"?>
+<p:notes xmlns:a="http://schemas.openxmlformats.org/drawingml/2006/main" xmlns:r="http://schemas.openxmlformats.org/officeDocument/2006/relationships" xmlns:p="http://schemas.openxmlformats.org/presentationml/2006/main">
+  <p:cSld>
+    <p:spTree>
+      <p:nvGrpSpPr>
+        <p:cNvPr id="1" name=""/>
+        <p:cNvGrpSpPr/>
+        <p:nvPr/>
+      </p:nvGrpSpPr>
+      <p:grpSpPr>
+        <a:xfrm>
+          <a:off x="0" y="0"/>
+          <a:ext cx="0" cy="0"/>
+          <a:chOff x="0" y="0"/>
+          <a:chExt cx="0" cy="0"/>
+        </a:xfrm>
+      </p:grpSpPr>
+      <p:sp>
+        <p:nvSpPr>
+          <p:cNvPr id="2" name="Slide Image Placeholder 1"/>
+          <p:cNvSpPr>
+            <a:spLocks noGrp="1" noRot="1" noChangeAspect="1"/>
+          </p:cNvSpPr>
+          <p:nvPr>
+            <p:ph type="sldImg"/>
+          </p:nvPr>
+        </p:nvSpPr>
+        <p:spPr/>
+      </p:sp>
+      <p:sp>
+        <p:nvSpPr>
+          <p:cNvPr id="3" name="Notes Placeholder 2"/>
+          <p:cNvSpPr>
+            <a:spLocks noGrp="1"/>
+          </p:cNvSpPr>
+          <p:nvPr>
+            <p:ph type="body" idx="1"/>
+          </p:nvPr>
+        </p:nvSpPr>
+        <p:spPr/>
+        <p:txBody>
+          <a:bodyPr/>
+          <a:lstStyle/>
+          <a:p>
+            <a:endParaRPr lang="en-GB" dirty="0"/>
+          </a:p>
+        </p:txBody>
+      </p:sp>
+      <p:sp>
+        <p:nvSpPr>
+          <p:cNvPr id="4" name="Slide Number Placeholder 3"/>
+          <p:cNvSpPr>
+            <a:spLocks noGrp="1"/>
+          </p:cNvSpPr>
+          <p:nvPr>
+            <p:ph type="sldNum" sz="quarter" idx="10"/>
+          </p:nvPr>
+        </p:nvSpPr>
+        <p:spPr/>
+        <p:txBody>
+          <a:bodyPr/>
+          <a:lstStyle/>
+          <a:p>
+            <a:fld id="{AD4D22CA-BB33-4A24-8853-E257FD4EF6AE}" type="slidenum">
+              <a:rPr lang="nb-NO" smtClean="0"/>
               <a:t>6</a:t>
             </a:fld>
             <a:endParaRPr lang="nb-NO"/>
@@ -1037,7 +1228,7 @@
 </p:notes>
 </file>
 
-<file path=ppt/notesSlides/notesSlide4.xml><?xml version="1.0" encoding="utf-8"?>
+<file path=ppt/notesSlides/notesSlide6.xml><?xml version="1.0" encoding="utf-8"?>
 <p:notes xmlns:a="http://schemas.openxmlformats.org/drawingml/2006/main" xmlns:r="http://schemas.openxmlformats.org/officeDocument/2006/relationships" xmlns:p="http://schemas.openxmlformats.org/presentationml/2006/main">
   <p:cSld>
     <p:spTree>
@@ -1494,7 +1685,7 @@
           <a:p>
             <a:fld id="{54C03973-5170-46C8-8D32-22826D69971D}" type="datetimeFigureOut">
               <a:rPr lang="nb-NO" smtClean="0"/>
-              <a:t>10.01.2017</a:t>
+              <a:t>11.01.2017</a:t>
             </a:fld>
             <a:endParaRPr lang="nb-NO"/>
           </a:p>
@@ -1662,7 +1853,7 @@
           <a:p>
             <a:fld id="{54C03973-5170-46C8-8D32-22826D69971D}" type="datetimeFigureOut">
               <a:rPr lang="nb-NO" smtClean="0"/>
-              <a:t>10.01.2017</a:t>
+              <a:t>11.01.2017</a:t>
             </a:fld>
             <a:endParaRPr lang="nb-NO"/>
           </a:p>
@@ -1840,7 +2031,7 @@
           <a:p>
             <a:fld id="{54C03973-5170-46C8-8D32-22826D69971D}" type="datetimeFigureOut">
               <a:rPr lang="nb-NO" smtClean="0"/>
-              <a:t>10.01.2017</a:t>
+              <a:t>11.01.2017</a:t>
             </a:fld>
             <a:endParaRPr lang="nb-NO"/>
           </a:p>
@@ -2071,7 +2262,7 @@
           <a:p>
             <a:fld id="{54C03973-5170-46C8-8D32-22826D69971D}" type="datetimeFigureOut">
               <a:rPr lang="nb-NO" smtClean="0"/>
-              <a:t>10.01.2017</a:t>
+              <a:t>11.01.2017</a:t>
             </a:fld>
             <a:endParaRPr lang="nb-NO"/>
           </a:p>
@@ -2296,7 +2487,7 @@
           <a:p>
             <a:fld id="{54C03973-5170-46C8-8D32-22826D69971D}" type="datetimeFigureOut">
               <a:rPr lang="nb-NO" smtClean="0"/>
-              <a:t>10.01.2017</a:t>
+              <a:t>11.01.2017</a:t>
             </a:fld>
             <a:endParaRPr lang="nb-NO"/>
           </a:p>
@@ -2579,7 +2770,7 @@
           <a:p>
             <a:fld id="{54C03973-5170-46C8-8D32-22826D69971D}" type="datetimeFigureOut">
               <a:rPr lang="nb-NO" smtClean="0"/>
-              <a:t>10.01.2017</a:t>
+              <a:t>11.01.2017</a:t>
             </a:fld>
             <a:endParaRPr lang="nb-NO"/>
           </a:p>
@@ -2822,7 +3013,7 @@
           <a:p>
             <a:fld id="{54C03973-5170-46C8-8D32-22826D69971D}" type="datetimeFigureOut">
               <a:rPr lang="nb-NO" smtClean="0"/>
-              <a:t>10.01.2017</a:t>
+              <a:t>11.01.2017</a:t>
             </a:fld>
             <a:endParaRPr lang="nb-NO"/>
           </a:p>
@@ -3200,7 +3391,7 @@
           <a:p>
             <a:fld id="{54C03973-5170-46C8-8D32-22826D69971D}" type="datetimeFigureOut">
               <a:rPr lang="nb-NO" smtClean="0"/>
-              <a:t>10.01.2017</a:t>
+              <a:t>11.01.2017</a:t>
             </a:fld>
             <a:endParaRPr lang="nb-NO"/>
           </a:p>
@@ -3331,7 +3522,7 @@
           <a:p>
             <a:fld id="{54C03973-5170-46C8-8D32-22826D69971D}" type="datetimeFigureOut">
               <a:rPr lang="nb-NO" smtClean="0"/>
-              <a:t>10.01.2017</a:t>
+              <a:t>11.01.2017</a:t>
             </a:fld>
             <a:endParaRPr lang="nb-NO"/>
           </a:p>
@@ -3426,7 +3617,7 @@
           <a:p>
             <a:fld id="{54C03973-5170-46C8-8D32-22826D69971D}" type="datetimeFigureOut">
               <a:rPr lang="nb-NO" smtClean="0"/>
-              <a:t>10.01.2017</a:t>
+              <a:t>11.01.2017</a:t>
             </a:fld>
             <a:endParaRPr lang="nb-NO"/>
           </a:p>
@@ -3701,7 +3892,7 @@
           <a:p>
             <a:fld id="{54C03973-5170-46C8-8D32-22826D69971D}" type="datetimeFigureOut">
               <a:rPr lang="nb-NO" smtClean="0"/>
-              <a:t>10.01.2017</a:t>
+              <a:t>11.01.2017</a:t>
             </a:fld>
             <a:endParaRPr lang="nb-NO"/>
           </a:p>
@@ -3912,7 +4103,7 @@
           <a:p>
             <a:fld id="{54C03973-5170-46C8-8D32-22826D69971D}" type="datetimeFigureOut">
               <a:rPr lang="nb-NO" smtClean="0"/>
-              <a:t>10.01.2017</a:t>
+              <a:t>11.01.2017</a:t>
             </a:fld>
             <a:endParaRPr lang="nb-NO"/>
           </a:p>
@@ -4486,7 +4677,7 @@
       </p:grpSpPr>
       <p:sp>
         <p:nvSpPr>
-          <p:cNvPr id="2" name="Title 1"/>
+          <p:cNvPr id="2" name="Tittel 1"/>
           <p:cNvSpPr>
             <a:spLocks noGrp="1"/>
           </p:cNvSpPr>
@@ -4501,15 +4692,14 @@
           <a:p>
             <a:r>
               <a:rPr lang="nb-NO" dirty="0"/>
-              <a:t>ASP.NET Core Identity</a:t>
-            </a:r>
-            <a:endParaRPr lang="en-GB" dirty="0"/>
-          </a:p>
-        </p:txBody>
-      </p:sp>
-      <p:sp>
-        <p:nvSpPr>
-          <p:cNvPr id="3" name="Content Placeholder 2"/>
+              <a:t>Claims</a:t>
+            </a:r>
+          </a:p>
+        </p:txBody>
+      </p:sp>
+      <p:sp>
+        <p:nvSpPr>
+          <p:cNvPr id="3" name="Plassholder for innhold 2"/>
           <p:cNvSpPr>
             <a:spLocks noGrp="1"/>
           </p:cNvSpPr>
@@ -4524,255 +4714,33 @@
           <a:p>
             <a:r>
               <a:rPr lang="nb-NO" dirty="0"/>
-              <a:t>Et sett med «ferdige» klasser klare til å brukes for å administrere brukere</a:t>
+              <a:t>Key/Value liste som definerer en bruker.</a:t>
             </a:r>
           </a:p>
           <a:p>
             <a:r>
               <a:rPr lang="nb-NO" dirty="0"/>
-              <a:t>Kan veldig enkelt kobles til SQL Server via Entity Framework</a:t>
+              <a:t>En identitet er definert ikke nødvendigvis som en person, men som summen av properties. </a:t>
             </a:r>
           </a:p>
           <a:p>
             <a:r>
               <a:rPr lang="nb-NO" dirty="0"/>
-              <a:t>Brukes enkelt med cookies eller tokens</a:t>
-            </a:r>
-            <a:endParaRPr lang="en-GB" dirty="0"/>
-          </a:p>
-        </p:txBody>
-      </p:sp>
-      <p:sp>
-        <p:nvSpPr>
-          <p:cNvPr id="6" name="Rectangle 3"/>
-          <p:cNvSpPr>
-            <a:spLocks noChangeArrowheads="1"/>
-          </p:cNvSpPr>
-          <p:nvPr/>
-        </p:nvSpPr>
-        <p:spPr bwMode="auto">
-          <a:xfrm>
-            <a:off x="7469841" y="3188915"/>
-            <a:ext cx="4612341" cy="812379"/>
-          </a:xfrm>
-          <a:prstGeom prst="rect">
-            <a:avLst/>
-          </a:prstGeom>
-          <a:noFill/>
-          <a:ln>
-            <a:noFill/>
-          </a:ln>
-          <a:effectLst/>
-        </p:spPr>
-        <p:txBody>
-          <a:bodyPr vert="horz" wrap="square" lIns="0" tIns="0" rIns="0" bIns="73002" numCol="1" anchor="ctr" anchorCtr="0" compatLnSpc="1">
-            <a:prstTxWarp prst="textNoShape">
-              <a:avLst/>
-            </a:prstTxWarp>
-            <a:spAutoFit/>
-          </a:bodyPr>
-          <a:lstStyle/>
-          <a:p>
-            <a:pPr marL="0" marR="0" lvl="0" indent="0" algn="l" defTabSz="914400" rtl="0" eaLnBrk="0" fontAlgn="base" latinLnBrk="0" hangingPunct="0">
-              <a:lnSpc>
-                <a:spcPct val="100000"/>
-              </a:lnSpc>
-              <a:spcBef>
-                <a:spcPct val="0"/>
-              </a:spcBef>
-              <a:spcAft>
-                <a:spcPct val="0"/>
-              </a:spcAft>
-              <a:buClrTx/>
-              <a:buSzTx/>
-              <a:buFontTx/>
-              <a:buNone/>
-              <a:tabLst/>
-            </a:pPr>
-            <a:r>
-              <a:rPr kumimoji="0" lang="en-US" altLang="en-US" sz="1000" b="0" i="0" u="none" strike="noStrike" cap="none" normalizeH="0" baseline="0" dirty="0" err="1">
-                <a:ln>
-                  <a:noFill/>
-                </a:ln>
-                <a:solidFill>
-                  <a:srgbClr val="222222"/>
-                </a:solidFill>
-                <a:effectLst/>
-                <a:latin typeface="Consolas" panose="020B0609020204030204" pitchFamily="49" charset="0"/>
-              </a:rPr>
-              <a:t>services.AddIdentity</a:t>
-            </a:r>
-            <a:r>
-              <a:rPr kumimoji="0" lang="en-US" altLang="en-US" sz="1000" b="0" i="0" u="none" strike="noStrike" cap="none" normalizeH="0" baseline="0" dirty="0">
-                <a:ln>
-                  <a:noFill/>
-                </a:ln>
-                <a:solidFill>
-                  <a:srgbClr val="222222"/>
-                </a:solidFill>
-                <a:effectLst/>
-                <a:latin typeface="Consolas" panose="020B0609020204030204" pitchFamily="49" charset="0"/>
-              </a:rPr>
-              <a:t>&lt;</a:t>
-            </a:r>
-            <a:r>
-              <a:rPr kumimoji="0" lang="en-US" altLang="en-US" sz="1000" b="0" i="0" u="none" strike="noStrike" cap="none" normalizeH="0" baseline="0" dirty="0" err="1">
-                <a:ln>
-                  <a:noFill/>
-                </a:ln>
-                <a:solidFill>
-                  <a:srgbClr val="222222"/>
-                </a:solidFill>
-                <a:effectLst/>
-                <a:latin typeface="Consolas" panose="020B0609020204030204" pitchFamily="49" charset="0"/>
-              </a:rPr>
-              <a:t>ApplicationUser</a:t>
-            </a:r>
-            <a:r>
-              <a:rPr kumimoji="0" lang="en-US" altLang="en-US" sz="1000" b="0" i="0" u="none" strike="noStrike" cap="none" normalizeH="0" baseline="0" dirty="0">
-                <a:ln>
-                  <a:noFill/>
-                </a:ln>
-                <a:solidFill>
-                  <a:srgbClr val="222222"/>
-                </a:solidFill>
-                <a:effectLst/>
-                <a:latin typeface="Consolas" panose="020B0609020204030204" pitchFamily="49" charset="0"/>
-              </a:rPr>
-              <a:t>, </a:t>
-            </a:r>
-            <a:r>
-              <a:rPr kumimoji="0" lang="en-US" altLang="en-US" sz="1000" b="0" i="0" u="none" strike="noStrike" cap="none" normalizeH="0" baseline="0" dirty="0" err="1">
-                <a:ln>
-                  <a:noFill/>
-                </a:ln>
-                <a:solidFill>
-                  <a:srgbClr val="222222"/>
-                </a:solidFill>
-                <a:effectLst/>
-                <a:latin typeface="Consolas" panose="020B0609020204030204" pitchFamily="49" charset="0"/>
-              </a:rPr>
-              <a:t>IdentityRole</a:t>
-            </a:r>
-            <a:r>
-              <a:rPr kumimoji="0" lang="en-US" altLang="en-US" sz="1000" b="0" i="0" u="none" strike="noStrike" cap="none" normalizeH="0" baseline="0" dirty="0">
-                <a:ln>
-                  <a:noFill/>
-                </a:ln>
-                <a:solidFill>
-                  <a:srgbClr val="222222"/>
-                </a:solidFill>
-                <a:effectLst/>
-                <a:latin typeface="Consolas" panose="020B0609020204030204" pitchFamily="49" charset="0"/>
-              </a:rPr>
-              <a:t>&gt;() .</a:t>
-            </a:r>
-            <a:r>
-              <a:rPr kumimoji="0" lang="en-US" altLang="en-US" sz="1000" b="0" i="0" u="none" strike="noStrike" cap="none" normalizeH="0" baseline="0" dirty="0" err="1">
-                <a:ln>
-                  <a:noFill/>
-                </a:ln>
-                <a:solidFill>
-                  <a:srgbClr val="222222"/>
-                </a:solidFill>
-                <a:effectLst/>
-                <a:latin typeface="Consolas" panose="020B0609020204030204" pitchFamily="49" charset="0"/>
-              </a:rPr>
-              <a:t>AddEntityFrameworkStores</a:t>
-            </a:r>
-            <a:r>
-              <a:rPr kumimoji="0" lang="en-US" altLang="en-US" sz="1000" b="0" i="0" u="none" strike="noStrike" cap="none" normalizeH="0" baseline="0" dirty="0">
-                <a:ln>
-                  <a:noFill/>
-                </a:ln>
-                <a:solidFill>
-                  <a:srgbClr val="222222"/>
-                </a:solidFill>
-                <a:effectLst/>
-                <a:latin typeface="Consolas" panose="020B0609020204030204" pitchFamily="49" charset="0"/>
-              </a:rPr>
-              <a:t>&lt;</a:t>
-            </a:r>
-            <a:r>
-              <a:rPr kumimoji="0" lang="en-US" altLang="en-US" sz="1000" b="0" i="0" u="none" strike="noStrike" cap="none" normalizeH="0" baseline="0" dirty="0" err="1">
-                <a:ln>
-                  <a:noFill/>
-                </a:ln>
-                <a:solidFill>
-                  <a:srgbClr val="222222"/>
-                </a:solidFill>
-                <a:effectLst/>
-                <a:latin typeface="Consolas" panose="020B0609020204030204" pitchFamily="49" charset="0"/>
-              </a:rPr>
-              <a:t>ApplicationDbContext</a:t>
-            </a:r>
-            <a:r>
-              <a:rPr kumimoji="0" lang="en-US" altLang="en-US" sz="1000" b="0" i="0" u="none" strike="noStrike" cap="none" normalizeH="0" baseline="0" dirty="0">
-                <a:ln>
-                  <a:noFill/>
-                </a:ln>
-                <a:solidFill>
-                  <a:srgbClr val="222222"/>
-                </a:solidFill>
-                <a:effectLst/>
-                <a:latin typeface="Consolas" panose="020B0609020204030204" pitchFamily="49" charset="0"/>
-              </a:rPr>
-              <a:t>&gt;() .</a:t>
-            </a:r>
-            <a:r>
-              <a:rPr kumimoji="0" lang="en-US" altLang="en-US" sz="1000" b="0" i="0" u="none" strike="noStrike" cap="none" normalizeH="0" baseline="0" dirty="0" err="1">
-                <a:ln>
-                  <a:noFill/>
-                </a:ln>
-                <a:solidFill>
-                  <a:srgbClr val="222222"/>
-                </a:solidFill>
-                <a:effectLst/>
-                <a:latin typeface="Consolas" panose="020B0609020204030204" pitchFamily="49" charset="0"/>
-              </a:rPr>
-              <a:t>AddDefaultTokenProviders</a:t>
-            </a:r>
-            <a:r>
-              <a:rPr kumimoji="0" lang="en-US" altLang="en-US" sz="1000" b="0" i="0" u="none" strike="noStrike" cap="none" normalizeH="0" baseline="0" dirty="0">
-                <a:ln>
-                  <a:noFill/>
-                </a:ln>
-                <a:solidFill>
-                  <a:srgbClr val="222222"/>
-                </a:solidFill>
-                <a:effectLst/>
-                <a:latin typeface="Consolas" panose="020B0609020204030204" pitchFamily="49" charset="0"/>
-              </a:rPr>
-              <a:t>(); </a:t>
-            </a:r>
-            <a:br>
-              <a:rPr kumimoji="0" lang="en-US" altLang="en-US" sz="400" b="0" i="0" u="none" strike="noStrike" cap="none" normalizeH="0" baseline="0" dirty="0">
-                <a:ln>
-                  <a:noFill/>
-                </a:ln>
-                <a:solidFill>
-                  <a:schemeClr val="tx1"/>
-                </a:solidFill>
-                <a:effectLst/>
-              </a:rPr>
-            </a:br>
-            <a:endParaRPr kumimoji="0" lang="en-US" altLang="en-US" sz="1800" b="0" i="0" u="none" strike="noStrike" cap="none" normalizeH="0" baseline="0" dirty="0">
-              <a:ln>
-                <a:noFill/>
-              </a:ln>
-              <a:solidFill>
-                <a:schemeClr val="tx1"/>
-              </a:solidFill>
-              <a:effectLst/>
-              <a:latin typeface="Arial" panose="020B0604020202020204" pitchFamily="34" charset="0"/>
-            </a:endParaRPr>
+              <a:t>sub, idp, role, given_name, iat, exp, nbf etc</a:t>
+            </a:r>
+          </a:p>
+          <a:p>
+            <a:r>
+              <a:rPr lang="nb-NO" dirty="0"/>
+              <a:t>Kan lage claims som er spesifikke for applikasjonen</a:t>
+            </a:r>
           </a:p>
         </p:txBody>
       </p:sp>
     </p:spTree>
     <p:extLst>
       <p:ext uri="{BB962C8B-B14F-4D97-AF65-F5344CB8AC3E}">
-        <p14:creationId xmlns:p14="http://schemas.microsoft.com/office/powerpoint/2010/main" val="924895931"/>
+        <p14:creationId xmlns:p14="http://schemas.microsoft.com/office/powerpoint/2010/main" val="2264570036"/>
       </p:ext>
     </p:extLst>
   </p:cSld>
@@ -4801,7 +4769,7 @@
       </p:grpSpPr>
       <p:sp>
         <p:nvSpPr>
-          <p:cNvPr id="2" name="Tittel 1"/>
+          <p:cNvPr id="2" name="Title 1"/>
           <p:cNvSpPr>
             <a:spLocks noGrp="1"/>
           </p:cNvSpPr>
@@ -4816,14 +4784,15 @@
           <a:p>
             <a:r>
               <a:rPr lang="nb-NO" dirty="0"/>
-              <a:t>Claims</a:t>
-            </a:r>
-          </a:p>
-        </p:txBody>
-      </p:sp>
-      <p:sp>
-        <p:nvSpPr>
-          <p:cNvPr id="3" name="Plassholder for innhold 2"/>
+              <a:t>ASP.NET Core Identity</a:t>
+            </a:r>
+            <a:endParaRPr lang="en-GB" dirty="0"/>
+          </a:p>
+        </p:txBody>
+      </p:sp>
+      <p:sp>
+        <p:nvSpPr>
+          <p:cNvPr id="3" name="Content Placeholder 2"/>
           <p:cNvSpPr>
             <a:spLocks noGrp="1"/>
           </p:cNvSpPr>
@@ -4838,33 +4807,255 @@
           <a:p>
             <a:r>
               <a:rPr lang="nb-NO" dirty="0"/>
-              <a:t>Key/Value liste som definerer en bruker.</a:t>
+              <a:t>Et sett med «ferdige» klasser klare til å brukes for å administrere brukere</a:t>
             </a:r>
           </a:p>
           <a:p>
             <a:r>
               <a:rPr lang="nb-NO" dirty="0"/>
-              <a:t>En identitet er definert ikke nødvendigvis som en person, men som summen av properties. </a:t>
+              <a:t>Kan veldig enkelt kobles til SQL Server via Entity Framework</a:t>
             </a:r>
           </a:p>
           <a:p>
             <a:r>
               <a:rPr lang="nb-NO" dirty="0"/>
-              <a:t>Eksempel på standard claims: sub, idp, role, given_name, iat, exp, nbf etc</a:t>
-            </a:r>
-          </a:p>
-          <a:p>
-            <a:r>
-              <a:rPr lang="nb-NO" dirty="0"/>
-              <a:t>Kan lage claims som er spesifikke for applikasjonen</a:t>
-            </a:r>
+              <a:t>Brukes enkelt med cookies eller tokens</a:t>
+            </a:r>
+            <a:endParaRPr lang="en-GB" dirty="0"/>
+          </a:p>
+        </p:txBody>
+      </p:sp>
+      <p:sp>
+        <p:nvSpPr>
+          <p:cNvPr id="6" name="Rectangle 3"/>
+          <p:cNvSpPr>
+            <a:spLocks noChangeArrowheads="1"/>
+          </p:cNvSpPr>
+          <p:nvPr/>
+        </p:nvSpPr>
+        <p:spPr bwMode="auto">
+          <a:xfrm>
+            <a:off x="2588559" y="4009020"/>
+            <a:ext cx="6918512" cy="1181711"/>
+          </a:xfrm>
+          <a:prstGeom prst="rect">
+            <a:avLst/>
+          </a:prstGeom>
+          <a:noFill/>
+          <a:ln>
+            <a:noFill/>
+          </a:ln>
+          <a:effectLst/>
+        </p:spPr>
+        <p:txBody>
+          <a:bodyPr vert="horz" wrap="square" lIns="0" tIns="0" rIns="0" bIns="73002" numCol="1" anchor="ctr" anchorCtr="0" compatLnSpc="1">
+            <a:prstTxWarp prst="textNoShape">
+              <a:avLst/>
+            </a:prstTxWarp>
+            <a:spAutoFit/>
+          </a:bodyPr>
+          <a:lstStyle/>
+          <a:p>
+            <a:pPr marL="0" marR="0" lvl="0" indent="0" algn="l" defTabSz="914400" rtl="0" eaLnBrk="0" fontAlgn="base" latinLnBrk="0" hangingPunct="0">
+              <a:lnSpc>
+                <a:spcPct val="100000"/>
+              </a:lnSpc>
+              <a:spcBef>
+                <a:spcPct val="0"/>
+              </a:spcBef>
+              <a:spcAft>
+                <a:spcPct val="0"/>
+              </a:spcAft>
+              <a:buClrTx/>
+              <a:buSzTx/>
+              <a:buFontTx/>
+              <a:buNone/>
+              <a:tabLst/>
+            </a:pPr>
+            <a:r>
+              <a:rPr kumimoji="0" lang="en-US" altLang="en-US" b="0" i="0" u="none" strike="noStrike" cap="none" normalizeH="0" baseline="0" dirty="0" err="1">
+                <a:ln>
+                  <a:noFill/>
+                </a:ln>
+                <a:solidFill>
+                  <a:srgbClr val="222222"/>
+                </a:solidFill>
+                <a:effectLst/>
+                <a:latin typeface="Consolas" panose="020B0609020204030204" pitchFamily="49" charset="0"/>
+              </a:rPr>
+              <a:t>services.AddIdentity</a:t>
+            </a:r>
+            <a:r>
+              <a:rPr kumimoji="0" lang="en-US" altLang="en-US" b="0" i="0" u="none" strike="noStrike" cap="none" normalizeH="0" baseline="0" dirty="0">
+                <a:ln>
+                  <a:noFill/>
+                </a:ln>
+                <a:solidFill>
+                  <a:srgbClr val="222222"/>
+                </a:solidFill>
+                <a:effectLst/>
+                <a:latin typeface="Consolas" panose="020B0609020204030204" pitchFamily="49" charset="0"/>
+              </a:rPr>
+              <a:t>&lt;</a:t>
+            </a:r>
+            <a:r>
+              <a:rPr kumimoji="0" lang="en-US" altLang="en-US" b="0" i="0" u="none" strike="noStrike" cap="none" normalizeH="0" baseline="0" dirty="0" err="1">
+                <a:ln>
+                  <a:noFill/>
+                </a:ln>
+                <a:solidFill>
+                  <a:srgbClr val="222222"/>
+                </a:solidFill>
+                <a:effectLst/>
+                <a:latin typeface="Consolas" panose="020B0609020204030204" pitchFamily="49" charset="0"/>
+              </a:rPr>
+              <a:t>ApplicationUser</a:t>
+            </a:r>
+            <a:r>
+              <a:rPr kumimoji="0" lang="en-US" altLang="en-US" b="0" i="0" u="none" strike="noStrike" cap="none" normalizeH="0" baseline="0" dirty="0">
+                <a:ln>
+                  <a:noFill/>
+                </a:ln>
+                <a:solidFill>
+                  <a:srgbClr val="222222"/>
+                </a:solidFill>
+                <a:effectLst/>
+                <a:latin typeface="Consolas" panose="020B0609020204030204" pitchFamily="49" charset="0"/>
+              </a:rPr>
+              <a:t>, </a:t>
+            </a:r>
+            <a:r>
+              <a:rPr kumimoji="0" lang="en-US" altLang="en-US" b="0" i="0" u="none" strike="noStrike" cap="none" normalizeH="0" baseline="0" dirty="0" err="1">
+                <a:ln>
+                  <a:noFill/>
+                </a:ln>
+                <a:solidFill>
+                  <a:srgbClr val="222222"/>
+                </a:solidFill>
+                <a:effectLst/>
+                <a:latin typeface="Consolas" panose="020B0609020204030204" pitchFamily="49" charset="0"/>
+              </a:rPr>
+              <a:t>IdentityRole</a:t>
+            </a:r>
+            <a:r>
+              <a:rPr kumimoji="0" lang="en-US" altLang="en-US" b="0" i="0" u="none" strike="noStrike" cap="none" normalizeH="0" baseline="0" dirty="0">
+                <a:ln>
+                  <a:noFill/>
+                </a:ln>
+                <a:solidFill>
+                  <a:srgbClr val="222222"/>
+                </a:solidFill>
+                <a:effectLst/>
+                <a:latin typeface="Consolas" panose="020B0609020204030204" pitchFamily="49" charset="0"/>
+              </a:rPr>
+              <a:t>&gt;() .</a:t>
+            </a:r>
+            <a:r>
+              <a:rPr kumimoji="0" lang="en-US" altLang="en-US" b="0" i="0" u="none" strike="noStrike" cap="none" normalizeH="0" baseline="0" dirty="0" err="1">
+                <a:ln>
+                  <a:noFill/>
+                </a:ln>
+                <a:solidFill>
+                  <a:srgbClr val="222222"/>
+                </a:solidFill>
+                <a:effectLst/>
+                <a:latin typeface="Consolas" panose="020B0609020204030204" pitchFamily="49" charset="0"/>
+              </a:rPr>
+              <a:t>AddEntityFrameworkStores</a:t>
+            </a:r>
+            <a:r>
+              <a:rPr kumimoji="0" lang="en-US" altLang="en-US" b="0" i="0" u="none" strike="noStrike" cap="none" normalizeH="0" baseline="0" dirty="0">
+                <a:ln>
+                  <a:noFill/>
+                </a:ln>
+                <a:solidFill>
+                  <a:srgbClr val="222222"/>
+                </a:solidFill>
+                <a:effectLst/>
+                <a:latin typeface="Consolas" panose="020B0609020204030204" pitchFamily="49" charset="0"/>
+              </a:rPr>
+              <a:t>&lt;</a:t>
+            </a:r>
+            <a:r>
+              <a:rPr kumimoji="0" lang="en-US" altLang="en-US" b="0" i="0" u="none" strike="noStrike" cap="none" normalizeH="0" baseline="0" dirty="0" err="1">
+                <a:ln>
+                  <a:noFill/>
+                </a:ln>
+                <a:solidFill>
+                  <a:srgbClr val="222222"/>
+                </a:solidFill>
+                <a:effectLst/>
+                <a:latin typeface="Consolas" panose="020B0609020204030204" pitchFamily="49" charset="0"/>
+              </a:rPr>
+              <a:t>ApplicationDbContext</a:t>
+            </a:r>
+            <a:r>
+              <a:rPr kumimoji="0" lang="en-US" altLang="en-US" b="0" i="0" u="none" strike="noStrike" cap="none" normalizeH="0" baseline="0" dirty="0">
+                <a:ln>
+                  <a:noFill/>
+                </a:ln>
+                <a:solidFill>
+                  <a:srgbClr val="222222"/>
+                </a:solidFill>
+                <a:effectLst/>
+                <a:latin typeface="Consolas" panose="020B0609020204030204" pitchFamily="49" charset="0"/>
+              </a:rPr>
+              <a:t>&gt;() .</a:t>
+            </a:r>
+            <a:r>
+              <a:rPr kumimoji="0" lang="en-US" altLang="en-US" b="0" i="0" u="none" strike="noStrike" cap="none" normalizeH="0" baseline="0" dirty="0" err="1">
+                <a:ln>
+                  <a:noFill/>
+                </a:ln>
+                <a:solidFill>
+                  <a:srgbClr val="222222"/>
+                </a:solidFill>
+                <a:effectLst/>
+                <a:latin typeface="Consolas" panose="020B0609020204030204" pitchFamily="49" charset="0"/>
+              </a:rPr>
+              <a:t>AddDefaultTokenProviders</a:t>
+            </a:r>
+            <a:r>
+              <a:rPr kumimoji="0" lang="en-US" altLang="en-US" b="0" i="0" u="none" strike="noStrike" cap="none" normalizeH="0" baseline="0" dirty="0">
+                <a:ln>
+                  <a:noFill/>
+                </a:ln>
+                <a:solidFill>
+                  <a:srgbClr val="222222"/>
+                </a:solidFill>
+                <a:effectLst/>
+                <a:latin typeface="Consolas" panose="020B0609020204030204" pitchFamily="49" charset="0"/>
+              </a:rPr>
+              <a:t>(); </a:t>
+            </a:r>
+            <a:br>
+              <a:rPr kumimoji="0" lang="en-US" altLang="en-US" b="0" i="0" u="none" strike="noStrike" cap="none" normalizeH="0" baseline="0" dirty="0">
+                <a:ln>
+                  <a:noFill/>
+                </a:ln>
+                <a:solidFill>
+                  <a:schemeClr val="tx1"/>
+                </a:solidFill>
+                <a:effectLst/>
+              </a:rPr>
+            </a:br>
+            <a:endParaRPr kumimoji="0" lang="en-US" altLang="en-US" b="0" i="0" u="none" strike="noStrike" cap="none" normalizeH="0" baseline="0" dirty="0">
+              <a:ln>
+                <a:noFill/>
+              </a:ln>
+              <a:solidFill>
+                <a:schemeClr val="tx1"/>
+              </a:solidFill>
+              <a:effectLst/>
+              <a:latin typeface="Arial" panose="020B0604020202020204" pitchFamily="34" charset="0"/>
+            </a:endParaRPr>
           </a:p>
         </p:txBody>
       </p:sp>
     </p:spTree>
     <p:extLst>
       <p:ext uri="{BB962C8B-B14F-4D97-AF65-F5344CB8AC3E}">
-        <p14:creationId xmlns:p14="http://schemas.microsoft.com/office/powerpoint/2010/main" val="2264570036"/>
+        <p14:creationId xmlns:p14="http://schemas.microsoft.com/office/powerpoint/2010/main" val="924895931"/>
       </p:ext>
     </p:extLst>
   </p:cSld>
@@ -4908,7 +5099,7 @@
           <a:p>
             <a:r>
               <a:rPr lang="nb-NO" dirty="0"/>
-              <a:t>OAuth 2.0</a:t>
+              <a:t>OAuth </a:t>
             </a:r>
             <a:endParaRPr lang="en-GB" dirty="0"/>
           </a:p>
@@ -4930,14 +5121,18 @@
           <a:lstStyle/>
           <a:p>
             <a:r>
+              <a:rPr lang="nb-NO"/>
+              <a:t>En åpen standard </a:t>
+            </a:r>
+            <a:r>
               <a:rPr lang="nb-NO" dirty="0"/>
-              <a:t>En tredjeparts applikasjon kan få en begrenset tilgang til en HTTP-tjeneste</a:t>
+              <a:t>som når implementert gir mulighet til å autorisere 3dje parts applikasjoner tilgang til informasjon om seg selv uten å sende med passord.</a:t>
             </a:r>
           </a:p>
           <a:p>
             <a:r>
               <a:rPr lang="nb-NO" dirty="0"/>
-              <a:t>Bedre enn 1.0</a:t>
+              <a:t>2.0 bedre enn 1.0 </a:t>
             </a:r>
             <a:endParaRPr lang="en-GB" dirty="0"/>
           </a:p>
@@ -6238,6 +6433,15 @@
 </file>
 
 <file path=customXml/item2.xml><?xml version="1.0" encoding="utf-8"?>
+<?mso-contentType ?>
+<FormTemplates xmlns="http://schemas.microsoft.com/sharepoint/v3/contenttype/forms">
+  <Display>DocumentLibraryForm</Display>
+  <Edit>DocumentLibraryForm</Edit>
+  <New>DocumentLibraryForm</New>
+</FormTemplates>
+</file>
+
+<file path=customXml/item3.xml><?xml version="1.0" encoding="utf-8"?>
 <ct:contentTypeSchema xmlns:ct="http://schemas.microsoft.com/office/2006/metadata/contentType" xmlns:ma="http://schemas.microsoft.com/office/2006/metadata/properties/metaAttributes" ct:_="" ma:_="" ma:contentTypeName="Dokument" ma:contentTypeID="0x010100085D6EB7E7F6A04AB7510A9E83CF9F90" ma:contentTypeVersion="2" ma:contentTypeDescription="Opprett et nytt dokument." ma:contentTypeScope="" ma:versionID="525631265ef313343a26ec3c0ce91a11">
   <xsd:schema xmlns:xsd="http://www.w3.org/2001/XMLSchema" xmlns:xs="http://www.w3.org/2001/XMLSchema" xmlns:p="http://schemas.microsoft.com/office/2006/metadata/properties" xmlns:ns2="0e695f26-0417-4f5e-93ea-f375cad79eb4" targetNamespace="http://schemas.microsoft.com/office/2006/metadata/properties" ma:root="true" ma:fieldsID="5759e9165159de6a14976d09aa048f7b" ns2:_="">
     <xsd:import namespace="0e695f26-0417-4f5e-93ea-f375cad79eb4"/>
@@ -6385,15 +6589,6 @@
 </ct:contentTypeSchema>
 </file>
 
-<file path=customXml/item3.xml><?xml version="1.0" encoding="utf-8"?>
-<?mso-contentType ?>
-<FormTemplates xmlns="http://schemas.microsoft.com/sharepoint/v3/contenttype/forms">
-  <Display>DocumentLibraryForm</Display>
-  <Edit>DocumentLibraryForm</Edit>
-  <New>DocumentLibraryForm</New>
-</FormTemplates>
-</file>
-
 <file path=customXml/itemProps1.xml><?xml version="1.0" encoding="utf-8"?>
 <ds:datastoreItem xmlns:ds="http://schemas.openxmlformats.org/officeDocument/2006/customXml" ds:itemID="{D341E43A-2E02-42C8-AD3B-AEA13F73D559}">
   <ds:schemaRefs>
@@ -6411,6 +6606,14 @@
 </file>
 
 <file path=customXml/itemProps2.xml><?xml version="1.0" encoding="utf-8"?>
+<ds:datastoreItem xmlns:ds="http://schemas.openxmlformats.org/officeDocument/2006/customXml" ds:itemID="{D6795259-702A-4F26-9004-72EC72711AB6}">
+  <ds:schemaRefs>
+    <ds:schemaRef ds:uri="http://schemas.microsoft.com/sharepoint/v3/contenttype/forms"/>
+  </ds:schemaRefs>
+</ds:datastoreItem>
+</file>
+
+<file path=customXml/itemProps3.xml><?xml version="1.0" encoding="utf-8"?>
 <ds:datastoreItem xmlns:ds="http://schemas.openxmlformats.org/officeDocument/2006/customXml" ds:itemID="{8CEB5B1A-9171-4416-B78A-B3EB1F5D066C}">
   <ds:schemaRefs>
     <ds:schemaRef ds:uri="http://schemas.microsoft.com/office/2006/metadata/contentType"/>
@@ -6426,12 +6629,4 @@
     <ds:schemaRef ds:uri="http://schemas.microsoft.com/internal/obd"/>
   </ds:schemaRefs>
 </ds:datastoreItem>
-</file>
-
-<file path=customXml/itemProps3.xml><?xml version="1.0" encoding="utf-8"?>
-<ds:datastoreItem xmlns:ds="http://schemas.openxmlformats.org/officeDocument/2006/customXml" ds:itemID="{D6795259-702A-4F26-9004-72EC72711AB6}">
-  <ds:schemaRefs>
-    <ds:schemaRef ds:uri="http://schemas.microsoft.com/sharepoint/v3/contenttype/forms"/>
-  </ds:schemaRefs>
-</ds:datastoreItem>
 </file>
--- a/Ppt/IdentityServer fagkveld.pptx
+++ b/Ppt/IdentityServer fagkveld.pptx
@@ -16,9 +16,9 @@
     <p:sldId id="258" r:id="rId7"/>
     <p:sldId id="264" r:id="rId8"/>
     <p:sldId id="259" r:id="rId9"/>
-    <p:sldId id="260" r:id="rId10"/>
-    <p:sldId id="261" r:id="rId11"/>
-    <p:sldId id="262" r:id="rId12"/>
+    <p:sldId id="262" r:id="rId10"/>
+    <p:sldId id="260" r:id="rId11"/>
+    <p:sldId id="261" r:id="rId12"/>
     <p:sldId id="263" r:id="rId13"/>
   </p:sldIdLst>
   <p:sldSz cx="12192000" cy="6858000"/>
@@ -1188,6 +1188,41 @@
           <a:bodyPr/>
           <a:lstStyle/>
           <a:p>
+            <a:r>
+              <a:rPr lang="nb-NO" dirty="0"/>
+              <a:t>OpenID: En identitet som lar en bruker</a:t>
+            </a:r>
+            <a:r>
+              <a:rPr lang="nb-NO" baseline="0" dirty="0"/>
+              <a:t> bruke flere nettsider med samme identitet. F.eks man kan logge på med Google konto hos Trello</a:t>
+            </a:r>
+          </a:p>
+          <a:p>
+            <a:r>
+              <a:rPr lang="nb-NO" baseline="0" dirty="0"/>
+              <a:t>OpenID er en tredjepart som kan verifisere at du er den du er. </a:t>
+            </a:r>
+          </a:p>
+          <a:p>
+            <a:r>
+              <a:rPr lang="nb-NO" baseline="0" dirty="0"/>
+              <a:t>Side A (Trello) får en openid token, og spør da side B (Google) om «Er dette Espen?». Google sier da «Ja». Trello er happy. </a:t>
+            </a:r>
+          </a:p>
+          <a:p>
+            <a:r>
+              <a:rPr lang="nb-NO" baseline="0" dirty="0"/>
+              <a:t>OpenID V2 vs OpenID Connect</a:t>
+            </a:r>
+          </a:p>
+          <a:p>
+            <a:endParaRPr lang="nb-NO" baseline="0" dirty="0"/>
+          </a:p>
+          <a:p>
+            <a:r>
+              <a:rPr lang="nb-NO" baseline="0" dirty="0"/>
+              <a:t>Facebook Connect: OpenID var ikke nok for Facebook så de laget sin egen standard. Denne kan f.eks inneholde informasjon om venner etc. Inneholder elementer fra både OpenID og OAuth2.0</a:t>
+            </a:r>
             <a:endParaRPr lang="en-GB" dirty="0"/>
           </a:p>
         </p:txBody>
@@ -1218,7 +1253,7 @@
     </p:spTree>
     <p:extLst>
       <p:ext uri="{BB962C8B-B14F-4D97-AF65-F5344CB8AC3E}">
-        <p14:creationId xmlns:p14="http://schemas.microsoft.com/office/powerpoint/2010/main" val="1583820383"/>
+        <p14:creationId xmlns:p14="http://schemas.microsoft.com/office/powerpoint/2010/main" val="4070688697"/>
       </p:ext>
     </p:extLst>
   </p:cSld>
@@ -1272,41 +1307,6 @@
           <a:bodyPr/>
           <a:lstStyle/>
           <a:p>
-            <a:r>
-              <a:rPr lang="nb-NO" dirty="0"/>
-              <a:t>OpenID: En identitet som lar en bruker</a:t>
-            </a:r>
-            <a:r>
-              <a:rPr lang="nb-NO" baseline="0" dirty="0"/>
-              <a:t> bruke flere nettsider med samme identitet. F.eks man kan logge på med Google konto hos Trello</a:t>
-            </a:r>
-          </a:p>
-          <a:p>
-            <a:r>
-              <a:rPr lang="nb-NO" baseline="0" dirty="0"/>
-              <a:t>OpenID er en tredjepart som kan verifisere at du er den du er. </a:t>
-            </a:r>
-          </a:p>
-          <a:p>
-            <a:r>
-              <a:rPr lang="nb-NO" baseline="0" dirty="0"/>
-              <a:t>Side A (Trello) får en openid token, og spør da side B (Google) om «Er dette Espen?». Google sier da «Ja». Trello er happy. </a:t>
-            </a:r>
-          </a:p>
-          <a:p>
-            <a:r>
-              <a:rPr lang="nb-NO" baseline="0" dirty="0"/>
-              <a:t>OpenID V2 vs OpenID Connect</a:t>
-            </a:r>
-          </a:p>
-          <a:p>
-            <a:endParaRPr lang="nb-NO" baseline="0" dirty="0"/>
-          </a:p>
-          <a:p>
-            <a:r>
-              <a:rPr lang="nb-NO" baseline="0" dirty="0"/>
-              <a:t>Facebook Connect: OpenID var ikke nok for Facebook så de laget sin egen standard. Denne kan f.eks inneholde informasjon om venner etc. Inneholder elementer fra både OpenID og OAuth2.0</a:t>
-            </a:r>
             <a:endParaRPr lang="en-GB" dirty="0"/>
           </a:p>
         </p:txBody>
@@ -1328,7 +1328,7 @@
           <a:p>
             <a:fld id="{AD4D22CA-BB33-4A24-8853-E257FD4EF6AE}" type="slidenum">
               <a:rPr lang="nb-NO" smtClean="0"/>
-              <a:t>8</a:t>
+              <a:t>7</a:t>
             </a:fld>
             <a:endParaRPr lang="nb-NO"/>
           </a:p>
@@ -1337,7 +1337,7 @@
     </p:spTree>
     <p:extLst>
       <p:ext uri="{BB962C8B-B14F-4D97-AF65-F5344CB8AC3E}">
-        <p14:creationId xmlns:p14="http://schemas.microsoft.com/office/powerpoint/2010/main" val="4070688697"/>
+        <p14:creationId xmlns:p14="http://schemas.microsoft.com/office/powerpoint/2010/main" val="1583820383"/>
       </p:ext>
     </p:extLst>
   </p:cSld>
@@ -5188,7 +5188,7 @@
           <a:p>
             <a:r>
               <a:rPr lang="nb-NO" dirty="0"/>
-              <a:t>Begreper</a:t>
+              <a:t>Open ID Connect</a:t>
             </a:r>
             <a:endParaRPr lang="en-GB" dirty="0"/>
           </a:p>
@@ -5206,92 +5206,71 @@
         </p:nvSpPr>
         <p:spPr/>
         <p:txBody>
-          <a:bodyPr>
-            <a:normAutofit fontScale="92500"/>
-          </a:bodyPr>
+          <a:bodyPr/>
           <a:lstStyle/>
           <a:p>
             <a:r>
               <a:rPr lang="nb-NO" dirty="0"/>
-              <a:t>Roller</a:t>
+              <a:t>OpenID: Standard autentiseringsprotokoll</a:t>
+            </a:r>
+          </a:p>
+          <a:p>
+            <a:r>
+              <a:rPr lang="nb-NO" dirty="0"/>
+              <a:t>Et lag på toppen av OAuth2.0</a:t>
+            </a:r>
+          </a:p>
+          <a:p>
+            <a:r>
+              <a:rPr lang="nb-NO" dirty="0"/>
+              <a:t>API-vennlig: REST</a:t>
             </a:r>
           </a:p>
           <a:p>
             <a:pPr lvl="1"/>
             <a:r>
               <a:rPr lang="nb-NO" dirty="0"/>
-              <a:t>Client – en applikasjon</a:t>
-            </a:r>
-          </a:p>
-          <a:p>
-            <a:pPr lvl="1"/>
+              <a:t>Discovery endepunkt: </a:t>
+            </a:r>
+          </a:p>
+          <a:p>
+            <a:pPr lvl="2"/>
+            <a:r>
+              <a:rPr lang="nb-NO" dirty="0">
+                <a:hlinkClick r:id="rId3"/>
+              </a:rPr>
+              <a:t>https://login.microsoftonline.com/themoonprod.onmicrosoft.com/v2.0/.well-known/openid-configuration</a:t>
+            </a:r>
+            <a:endParaRPr lang="nb-NO" dirty="0"/>
+          </a:p>
+          <a:p>
+            <a:pPr lvl="2"/>
             <a:r>
               <a:rPr lang="nb-NO" dirty="0"/>
-              <a:t>Resource Owner – en bruker som kan autentisere seg</a:t>
-            </a:r>
-          </a:p>
-          <a:p>
-            <a:pPr lvl="1"/>
+              <a:t>https://themoon-prod-auth-management-webapp.azurewebsites.net/.well-known/openid-configuration</a:t>
+            </a:r>
+          </a:p>
+          <a:p>
             <a:r>
               <a:rPr lang="nb-NO" dirty="0"/>
-              <a:t>Authorization Server – en tjeneste som kan levere tokens</a:t>
-            </a:r>
-          </a:p>
-          <a:p>
-            <a:pPr lvl="1"/>
+              <a:t>OpenID Foundation</a:t>
+            </a:r>
+          </a:p>
+          <a:p>
             <a:r>
               <a:rPr lang="nb-NO" dirty="0"/>
-              <a:t>Resource Server – en sikker tjeneste som kan håndtere kall som inneholder en token</a:t>
-            </a:r>
-          </a:p>
-          <a:p>
-            <a:r>
-              <a:rPr lang="nb-NO" dirty="0"/>
-              <a:t>Grant types</a:t>
-            </a:r>
+              <a:t>Hybrid flow</a:t>
+            </a:r>
+          </a:p>
+          <a:p>
             <a:endParaRPr lang="en-GB" dirty="0"/>
-          </a:p>
-          <a:p>
-            <a:pPr lvl="1"/>
-            <a:r>
-              <a:rPr lang="nb-NO" dirty="0"/>
-              <a:t>Authorization Code</a:t>
-            </a:r>
-          </a:p>
-          <a:p>
-            <a:pPr lvl="1"/>
-            <a:r>
-              <a:rPr lang="nb-NO" dirty="0"/>
-              <a:t>Implicit</a:t>
-            </a:r>
-          </a:p>
-          <a:p>
-            <a:pPr lvl="1"/>
-            <a:r>
-              <a:rPr lang="nb-NO" dirty="0"/>
-              <a:t>Hybrid (openid connect)</a:t>
-            </a:r>
-          </a:p>
-          <a:p>
-            <a:pPr lvl="1"/>
-            <a:r>
-              <a:rPr lang="nb-NO" dirty="0"/>
-              <a:t>Resource Owner Password</a:t>
-            </a:r>
-          </a:p>
-          <a:p>
-            <a:pPr lvl="1"/>
-            <a:r>
-              <a:rPr lang="nb-NO" dirty="0"/>
-              <a:t>Client Credentials</a:t>
-            </a:r>
           </a:p>
         </p:txBody>
       </p:sp>
     </p:spTree>
     <p:extLst>
       <p:ext uri="{BB962C8B-B14F-4D97-AF65-F5344CB8AC3E}">
-        <p14:creationId xmlns:p14="http://schemas.microsoft.com/office/powerpoint/2010/main" val="309933522"/>
+        <p14:creationId xmlns:p14="http://schemas.microsoft.com/office/powerpoint/2010/main" val="1456509002"/>
       </p:ext>
     </p:extLst>
   </p:cSld>
@@ -5335,7 +5314,7 @@
           <a:p>
             <a:r>
               <a:rPr lang="nb-NO" dirty="0"/>
-              <a:t>Tokens</a:t>
+              <a:t>Begreper</a:t>
             </a:r>
             <a:endParaRPr lang="en-GB" dirty="0"/>
           </a:p>
@@ -5353,39 +5332,96 @@
         </p:nvSpPr>
         <p:spPr/>
         <p:txBody>
-          <a:bodyPr/>
+          <a:bodyPr>
+            <a:normAutofit fontScale="92500"/>
+          </a:bodyPr>
           <a:lstStyle/>
           <a:p>
             <a:r>
               <a:rPr lang="nb-NO" dirty="0"/>
-              <a:t>Access tokens</a:t>
-            </a:r>
-          </a:p>
-          <a:p>
+              <a:t>Roller</a:t>
+            </a:r>
+          </a:p>
+          <a:p>
+            <a:pPr lvl="1"/>
             <a:r>
               <a:rPr lang="nb-NO" dirty="0"/>
-              <a:t>Identity token</a:t>
-            </a:r>
-          </a:p>
-          <a:p>
+              <a:t>Client – en applikasjon</a:t>
+            </a:r>
+          </a:p>
+          <a:p>
+            <a:pPr lvl="1"/>
             <a:r>
               <a:rPr lang="nb-NO" dirty="0"/>
-              <a:t>Refresh token</a:t>
-            </a:r>
-          </a:p>
-          <a:p>
+              <a:t>Resource Owner – en bruker som kan autentisere seg</a:t>
+            </a:r>
+          </a:p>
+          <a:p>
+            <a:pPr lvl="1"/>
             <a:r>
               <a:rPr lang="nb-NO" dirty="0"/>
-              <a:t>Reference token</a:t>
+              <a:t>Authorization Server – en tjeneste som kan levere tokens</a:t>
+            </a:r>
+          </a:p>
+          <a:p>
+            <a:pPr lvl="1"/>
+            <a:r>
+              <a:rPr lang="nb-NO" dirty="0"/>
+              <a:t>Resource Server – en sikker tjeneste som kan håndtere kall som inneholder en token</a:t>
+            </a:r>
+          </a:p>
+          <a:p>
+            <a:r>
+              <a:rPr lang="nb-NO" dirty="0"/>
+              <a:t>Grant types</a:t>
             </a:r>
             <a:endParaRPr lang="en-GB" dirty="0"/>
+          </a:p>
+          <a:p>
+            <a:pPr lvl="1"/>
+            <a:r>
+              <a:rPr lang="nb-NO" dirty="0"/>
+              <a:t>Authorization Code flow</a:t>
+            </a:r>
+          </a:p>
+          <a:p>
+            <a:pPr lvl="1"/>
+            <a:r>
+              <a:rPr lang="nb-NO" dirty="0"/>
+              <a:t>Implicit flow</a:t>
+            </a:r>
+          </a:p>
+          <a:p>
+            <a:pPr lvl="1"/>
+            <a:r>
+              <a:rPr lang="nb-NO"/>
+              <a:t>Hybrid flow </a:t>
+            </a:r>
+            <a:r>
+              <a:rPr lang="nb-NO" dirty="0"/>
+              <a:t>(openid connect)</a:t>
+            </a:r>
+          </a:p>
+          <a:p>
+            <a:pPr lvl="1"/>
+            <a:r>
+              <a:rPr lang="nb-NO" dirty="0"/>
+              <a:t>Resource Owner Password</a:t>
+            </a:r>
+          </a:p>
+          <a:p>
+            <a:pPr lvl="1"/>
+            <a:r>
+              <a:rPr lang="nb-NO" dirty="0"/>
+              <a:t>Client Credentials</a:t>
+            </a:r>
           </a:p>
         </p:txBody>
       </p:sp>
     </p:spTree>
     <p:extLst>
       <p:ext uri="{BB962C8B-B14F-4D97-AF65-F5344CB8AC3E}">
-        <p14:creationId xmlns:p14="http://schemas.microsoft.com/office/powerpoint/2010/main" val="3648306536"/>
+        <p14:creationId xmlns:p14="http://schemas.microsoft.com/office/powerpoint/2010/main" val="309933522"/>
       </p:ext>
     </p:extLst>
   </p:cSld>
@@ -5429,7 +5465,7 @@
           <a:p>
             <a:r>
               <a:rPr lang="nb-NO" dirty="0"/>
-              <a:t>Open ID Connect</a:t>
+              <a:t>Tokens</a:t>
             </a:r>
             <a:endParaRPr lang="en-GB" dirty="0"/>
           </a:p>
@@ -5452,58 +5488,26 @@
           <a:p>
             <a:r>
               <a:rPr lang="nb-NO" dirty="0"/>
-              <a:t>OpenID: Standard autentiseringsprotokoll</a:t>
+              <a:t>Access tokens</a:t>
             </a:r>
           </a:p>
           <a:p>
             <a:r>
               <a:rPr lang="nb-NO" dirty="0"/>
-              <a:t>Et lag på toppen av OAuth2.0</a:t>
+              <a:t>Identity token</a:t>
             </a:r>
           </a:p>
           <a:p>
             <a:r>
               <a:rPr lang="nb-NO" dirty="0"/>
-              <a:t>API-vennlig: REST</a:t>
-            </a:r>
-          </a:p>
-          <a:p>
-            <a:pPr lvl="1"/>
+              <a:t>Refresh token</a:t>
+            </a:r>
+          </a:p>
+          <a:p>
             <a:r>
               <a:rPr lang="nb-NO" dirty="0"/>
-              <a:t>Discovery endepunkt: </a:t>
-            </a:r>
-          </a:p>
-          <a:p>
-            <a:pPr lvl="2"/>
-            <a:r>
-              <a:rPr lang="nb-NO" dirty="0">
-                <a:hlinkClick r:id="rId3"/>
-              </a:rPr>
-              <a:t>https://login.microsoftonline.com/themoonprod.onmicrosoft.com/v2.0/.well-known/openid-configuration</a:t>
-            </a:r>
-            <a:endParaRPr lang="nb-NO" dirty="0"/>
-          </a:p>
-          <a:p>
-            <a:pPr lvl="2"/>
-            <a:r>
-              <a:rPr lang="nb-NO" dirty="0"/>
-              <a:t>https://themoon-prod-auth-management-webapp.azurewebsites.net/.well-known/openid-configuration</a:t>
-            </a:r>
-          </a:p>
-          <a:p>
-            <a:r>
-              <a:rPr lang="nb-NO" dirty="0"/>
-              <a:t>OpenID Foundation</a:t>
-            </a:r>
-          </a:p>
-          <a:p>
-            <a:r>
-              <a:rPr lang="nb-NO" dirty="0"/>
-              <a:t>Hybrid flow</a:t>
-            </a:r>
-          </a:p>
-          <a:p>
+              <a:t>Reference token</a:t>
+            </a:r>
             <a:endParaRPr lang="en-GB" dirty="0"/>
           </a:p>
         </p:txBody>
@@ -5511,7 +5515,7 @@
     </p:spTree>
     <p:extLst>
       <p:ext uri="{BB962C8B-B14F-4D97-AF65-F5344CB8AC3E}">
-        <p14:creationId xmlns:p14="http://schemas.microsoft.com/office/powerpoint/2010/main" val="1456509002"/>
+        <p14:creationId xmlns:p14="http://schemas.microsoft.com/office/powerpoint/2010/main" val="3648306536"/>
       </p:ext>
     </p:extLst>
   </p:cSld>
@@ -6433,15 +6437,6 @@
 </file>
 
 <file path=customXml/item2.xml><?xml version="1.0" encoding="utf-8"?>
-<?mso-contentType ?>
-<FormTemplates xmlns="http://schemas.microsoft.com/sharepoint/v3/contenttype/forms">
-  <Display>DocumentLibraryForm</Display>
-  <Edit>DocumentLibraryForm</Edit>
-  <New>DocumentLibraryForm</New>
-</FormTemplates>
-</file>
-
-<file path=customXml/item3.xml><?xml version="1.0" encoding="utf-8"?>
 <ct:contentTypeSchema xmlns:ct="http://schemas.microsoft.com/office/2006/metadata/contentType" xmlns:ma="http://schemas.microsoft.com/office/2006/metadata/properties/metaAttributes" ct:_="" ma:_="" ma:contentTypeName="Dokument" ma:contentTypeID="0x010100085D6EB7E7F6A04AB7510A9E83CF9F90" ma:contentTypeVersion="2" ma:contentTypeDescription="Opprett et nytt dokument." ma:contentTypeScope="" ma:versionID="525631265ef313343a26ec3c0ce91a11">
   <xsd:schema xmlns:xsd="http://www.w3.org/2001/XMLSchema" xmlns:xs="http://www.w3.org/2001/XMLSchema" xmlns:p="http://schemas.microsoft.com/office/2006/metadata/properties" xmlns:ns2="0e695f26-0417-4f5e-93ea-f375cad79eb4" targetNamespace="http://schemas.microsoft.com/office/2006/metadata/properties" ma:root="true" ma:fieldsID="5759e9165159de6a14976d09aa048f7b" ns2:_="">
     <xsd:import namespace="0e695f26-0417-4f5e-93ea-f375cad79eb4"/>
@@ -6589,6 +6584,15 @@
 </ct:contentTypeSchema>
 </file>
 
+<file path=customXml/item3.xml><?xml version="1.0" encoding="utf-8"?>
+<?mso-contentType ?>
+<FormTemplates xmlns="http://schemas.microsoft.com/sharepoint/v3/contenttype/forms">
+  <Display>DocumentLibraryForm</Display>
+  <Edit>DocumentLibraryForm</Edit>
+  <New>DocumentLibraryForm</New>
+</FormTemplates>
+</file>
+
 <file path=customXml/itemProps1.xml><?xml version="1.0" encoding="utf-8"?>
 <ds:datastoreItem xmlns:ds="http://schemas.openxmlformats.org/officeDocument/2006/customXml" ds:itemID="{D341E43A-2E02-42C8-AD3B-AEA13F73D559}">
   <ds:schemaRefs>
@@ -6606,14 +6610,6 @@
 </file>
 
 <file path=customXml/itemProps2.xml><?xml version="1.0" encoding="utf-8"?>
-<ds:datastoreItem xmlns:ds="http://schemas.openxmlformats.org/officeDocument/2006/customXml" ds:itemID="{D6795259-702A-4F26-9004-72EC72711AB6}">
-  <ds:schemaRefs>
-    <ds:schemaRef ds:uri="http://schemas.microsoft.com/sharepoint/v3/contenttype/forms"/>
-  </ds:schemaRefs>
-</ds:datastoreItem>
-</file>
-
-<file path=customXml/itemProps3.xml><?xml version="1.0" encoding="utf-8"?>
 <ds:datastoreItem xmlns:ds="http://schemas.openxmlformats.org/officeDocument/2006/customXml" ds:itemID="{8CEB5B1A-9171-4416-B78A-B3EB1F5D066C}">
   <ds:schemaRefs>
     <ds:schemaRef ds:uri="http://schemas.microsoft.com/office/2006/metadata/contentType"/>
@@ -6629,4 +6625,12 @@
     <ds:schemaRef ds:uri="http://schemas.microsoft.com/internal/obd"/>
   </ds:schemaRefs>
 </ds:datastoreItem>
+</file>
+
+<file path=customXml/itemProps3.xml><?xml version="1.0" encoding="utf-8"?>
+<ds:datastoreItem xmlns:ds="http://schemas.openxmlformats.org/officeDocument/2006/customXml" ds:itemID="{D6795259-702A-4F26-9004-72EC72711AB6}">
+  <ds:schemaRefs>
+    <ds:schemaRef ds:uri="http://schemas.microsoft.com/sharepoint/v3/contenttype/forms"/>
+  </ds:schemaRefs>
+</ds:datastoreItem>
 </file>
--- a/Ppt/IdentityServer fagkveld.pptx
+++ b/Ppt/IdentityServer fagkveld.pptx
@@ -211,7 +211,7 @@
           <a:p>
             <a:fld id="{0118F5E5-7C3E-4D52-9B79-BD3C63ACE068}" type="datetimeFigureOut">
               <a:rPr lang="nb-NO" smtClean="0"/>
-              <a:t>11.01.2017</a:t>
+              <a:t>12.01.2017</a:t>
             </a:fld>
             <a:endParaRPr lang="nb-NO"/>
           </a:p>
@@ -376,7 +376,7 @@
           <a:p>
             <a:fld id="{6F2AD40C-4359-4A0C-B318-2401026BD2F4}" type="datetimeFigureOut">
               <a:rPr lang="nb-NO" smtClean="0"/>
-              <a:t>11.01.2017</a:t>
+              <a:t>12.01.2017</a:t>
             </a:fld>
             <a:endParaRPr lang="nb-NO"/>
           </a:p>
@@ -1685,7 +1685,7 @@
           <a:p>
             <a:fld id="{54C03973-5170-46C8-8D32-22826D69971D}" type="datetimeFigureOut">
               <a:rPr lang="nb-NO" smtClean="0"/>
-              <a:t>11.01.2017</a:t>
+              <a:t>12.01.2017</a:t>
             </a:fld>
             <a:endParaRPr lang="nb-NO"/>
           </a:p>
@@ -1853,7 +1853,7 @@
           <a:p>
             <a:fld id="{54C03973-5170-46C8-8D32-22826D69971D}" type="datetimeFigureOut">
               <a:rPr lang="nb-NO" smtClean="0"/>
-              <a:t>11.01.2017</a:t>
+              <a:t>12.01.2017</a:t>
             </a:fld>
             <a:endParaRPr lang="nb-NO"/>
           </a:p>
@@ -2031,7 +2031,7 @@
           <a:p>
             <a:fld id="{54C03973-5170-46C8-8D32-22826D69971D}" type="datetimeFigureOut">
               <a:rPr lang="nb-NO" smtClean="0"/>
-              <a:t>11.01.2017</a:t>
+              <a:t>12.01.2017</a:t>
             </a:fld>
             <a:endParaRPr lang="nb-NO"/>
           </a:p>
@@ -2262,7 +2262,7 @@
           <a:p>
             <a:fld id="{54C03973-5170-46C8-8D32-22826D69971D}" type="datetimeFigureOut">
               <a:rPr lang="nb-NO" smtClean="0"/>
-              <a:t>11.01.2017</a:t>
+              <a:t>12.01.2017</a:t>
             </a:fld>
             <a:endParaRPr lang="nb-NO"/>
           </a:p>
@@ -2487,7 +2487,7 @@
           <a:p>
             <a:fld id="{54C03973-5170-46C8-8D32-22826D69971D}" type="datetimeFigureOut">
               <a:rPr lang="nb-NO" smtClean="0"/>
-              <a:t>11.01.2017</a:t>
+              <a:t>12.01.2017</a:t>
             </a:fld>
             <a:endParaRPr lang="nb-NO"/>
           </a:p>
@@ -2770,7 +2770,7 @@
           <a:p>
             <a:fld id="{54C03973-5170-46C8-8D32-22826D69971D}" type="datetimeFigureOut">
               <a:rPr lang="nb-NO" smtClean="0"/>
-              <a:t>11.01.2017</a:t>
+              <a:t>12.01.2017</a:t>
             </a:fld>
             <a:endParaRPr lang="nb-NO"/>
           </a:p>
@@ -3013,7 +3013,7 @@
           <a:p>
             <a:fld id="{54C03973-5170-46C8-8D32-22826D69971D}" type="datetimeFigureOut">
               <a:rPr lang="nb-NO" smtClean="0"/>
-              <a:t>11.01.2017</a:t>
+              <a:t>12.01.2017</a:t>
             </a:fld>
             <a:endParaRPr lang="nb-NO"/>
           </a:p>
@@ -3391,7 +3391,7 @@
           <a:p>
             <a:fld id="{54C03973-5170-46C8-8D32-22826D69971D}" type="datetimeFigureOut">
               <a:rPr lang="nb-NO" smtClean="0"/>
-              <a:t>11.01.2017</a:t>
+              <a:t>12.01.2017</a:t>
             </a:fld>
             <a:endParaRPr lang="nb-NO"/>
           </a:p>
@@ -3522,7 +3522,7 @@
           <a:p>
             <a:fld id="{54C03973-5170-46C8-8D32-22826D69971D}" type="datetimeFigureOut">
               <a:rPr lang="nb-NO" smtClean="0"/>
-              <a:t>11.01.2017</a:t>
+              <a:t>12.01.2017</a:t>
             </a:fld>
             <a:endParaRPr lang="nb-NO"/>
           </a:p>
@@ -3617,7 +3617,7 @@
           <a:p>
             <a:fld id="{54C03973-5170-46C8-8D32-22826D69971D}" type="datetimeFigureOut">
               <a:rPr lang="nb-NO" smtClean="0"/>
-              <a:t>11.01.2017</a:t>
+              <a:t>12.01.2017</a:t>
             </a:fld>
             <a:endParaRPr lang="nb-NO"/>
           </a:p>
@@ -3892,7 +3892,7 @@
           <a:p>
             <a:fld id="{54C03973-5170-46C8-8D32-22826D69971D}" type="datetimeFigureOut">
               <a:rPr lang="nb-NO" smtClean="0"/>
-              <a:t>11.01.2017</a:t>
+              <a:t>12.01.2017</a:t>
             </a:fld>
             <a:endParaRPr lang="nb-NO"/>
           </a:p>
@@ -4103,7 +4103,7 @@
           <a:p>
             <a:fld id="{54C03973-5170-46C8-8D32-22826D69971D}" type="datetimeFigureOut">
               <a:rPr lang="nb-NO" smtClean="0"/>
-              <a:t>11.01.2017</a:t>
+              <a:t>12.01.2017</a:t>
             </a:fld>
             <a:endParaRPr lang="nb-NO"/>
           </a:p>
@@ -4714,8 +4714,13 @@
           <a:p>
             <a:r>
               <a:rPr lang="nb-NO" dirty="0"/>
-              <a:t>Key/Value liste som definerer en bruker.</a:t>
-            </a:r>
+              <a:t>Key/Value liste som definerer en bruker </a:t>
+            </a:r>
+            <a:r>
+              <a:rPr lang="nb-NO"/>
+              <a:t>eller rettighet.</a:t>
+            </a:r>
+            <a:endParaRPr lang="nb-NO" dirty="0"/>
           </a:p>
           <a:p>
             <a:r>
@@ -6431,9 +6436,12 @@
 </file>
 
 <file path=customXml/item1.xml><?xml version="1.0" encoding="utf-8"?>
-<p:properties xmlns:p="http://schemas.microsoft.com/office/2006/metadata/properties" xmlns:xsi="http://www.w3.org/2001/XMLSchema-instance" xmlns:pc="http://schemas.microsoft.com/office/infopath/2007/PartnerControls">
-  <documentManagement/>
-</p:properties>
+<?mso-contentType ?>
+<FormTemplates xmlns="http://schemas.microsoft.com/sharepoint/v3/contenttype/forms">
+  <Display>DocumentLibraryForm</Display>
+  <Edit>DocumentLibraryForm</Edit>
+  <New>DocumentLibraryForm</New>
+</FormTemplates>
 </file>
 
 <file path=customXml/item2.xml><?xml version="1.0" encoding="utf-8"?>
@@ -6585,26 +6593,15 @@
 </file>
 
 <file path=customXml/item3.xml><?xml version="1.0" encoding="utf-8"?>
-<?mso-contentType ?>
-<FormTemplates xmlns="http://schemas.microsoft.com/sharepoint/v3/contenttype/forms">
-  <Display>DocumentLibraryForm</Display>
-  <Edit>DocumentLibraryForm</Edit>
-  <New>DocumentLibraryForm</New>
-</FormTemplates>
+<p:properties xmlns:p="http://schemas.microsoft.com/office/2006/metadata/properties" xmlns:xsi="http://www.w3.org/2001/XMLSchema-instance" xmlns:pc="http://schemas.microsoft.com/office/infopath/2007/PartnerControls">
+  <documentManagement/>
+</p:properties>
 </file>
 
 <file path=customXml/itemProps1.xml><?xml version="1.0" encoding="utf-8"?>
-<ds:datastoreItem xmlns:ds="http://schemas.openxmlformats.org/officeDocument/2006/customXml" ds:itemID="{D341E43A-2E02-42C8-AD3B-AEA13F73D559}">
+<ds:datastoreItem xmlns:ds="http://schemas.openxmlformats.org/officeDocument/2006/customXml" ds:itemID="{D6795259-702A-4F26-9004-72EC72711AB6}">
   <ds:schemaRefs>
-    <ds:schemaRef ds:uri="http://schemas.microsoft.com/office/2006/documentManagement/types"/>
-    <ds:schemaRef ds:uri="http://purl.org/dc/elements/1.1/"/>
-    <ds:schemaRef ds:uri="http://schemas.microsoft.com/office/2006/metadata/properties"/>
-    <ds:schemaRef ds:uri="http://purl.org/dc/terms/"/>
-    <ds:schemaRef ds:uri="http://schemas.openxmlformats.org/package/2006/metadata/core-properties"/>
-    <ds:schemaRef ds:uri="0e695f26-0417-4f5e-93ea-f375cad79eb4"/>
-    <ds:schemaRef ds:uri="http://purl.org/dc/dcmitype/"/>
-    <ds:schemaRef ds:uri="http://schemas.microsoft.com/office/infopath/2007/PartnerControls"/>
-    <ds:schemaRef ds:uri="http://www.w3.org/XML/1998/namespace"/>
+    <ds:schemaRef ds:uri="http://schemas.microsoft.com/sharepoint/v3/contenttype/forms"/>
   </ds:schemaRefs>
 </ds:datastoreItem>
 </file>
@@ -6628,9 +6625,17 @@
 </file>
 
 <file path=customXml/itemProps3.xml><?xml version="1.0" encoding="utf-8"?>
-<ds:datastoreItem xmlns:ds="http://schemas.openxmlformats.org/officeDocument/2006/customXml" ds:itemID="{D6795259-702A-4F26-9004-72EC72711AB6}">
+<ds:datastoreItem xmlns:ds="http://schemas.openxmlformats.org/officeDocument/2006/customXml" ds:itemID="{D341E43A-2E02-42C8-AD3B-AEA13F73D559}">
   <ds:schemaRefs>
-    <ds:schemaRef ds:uri="http://schemas.microsoft.com/sharepoint/v3/contenttype/forms"/>
+    <ds:schemaRef ds:uri="http://schemas.microsoft.com/office/2006/documentManagement/types"/>
+    <ds:schemaRef ds:uri="http://purl.org/dc/elements/1.1/"/>
+    <ds:schemaRef ds:uri="http://schemas.microsoft.com/office/2006/metadata/properties"/>
+    <ds:schemaRef ds:uri="http://purl.org/dc/terms/"/>
+    <ds:schemaRef ds:uri="http://schemas.openxmlformats.org/package/2006/metadata/core-properties"/>
+    <ds:schemaRef ds:uri="0e695f26-0417-4f5e-93ea-f375cad79eb4"/>
+    <ds:schemaRef ds:uri="http://purl.org/dc/dcmitype/"/>
+    <ds:schemaRef ds:uri="http://schemas.microsoft.com/office/infopath/2007/PartnerControls"/>
+    <ds:schemaRef ds:uri="http://www.w3.org/XML/1998/namespace"/>
   </ds:schemaRefs>
 </ds:datastoreItem>
 </file>